--- a/ADONET/ADONET.pptx
+++ b/ADONET/ADONET.pptx
@@ -13,6 +13,9 @@
     <p:sldId id="262" r:id="rId7"/>
     <p:sldId id="263" r:id="rId8"/>
     <p:sldId id="264" r:id="rId9"/>
+    <p:sldId id="266" r:id="rId10"/>
+    <p:sldId id="267" r:id="rId11"/>
+    <p:sldId id="268" r:id="rId12"/>
   </p:sldIdLst>
   <p:sldSz cx="9144000" cy="6858000" type="screen4x3"/>
   <p:notesSz cx="6858000" cy="9144000"/>
@@ -296,7 +299,7 @@
             <a:fld id="{1D8BD707-D9CF-40AE-B4C6-C98DA3205C09}" type="datetimeFigureOut">
               <a:rPr lang="en-US" smtClean="0"/>
               <a:pPr/>
-              <a:t>10/12/2020</a:t>
+              <a:t>10/14/2020</a:t>
             </a:fld>
             <a:endParaRPr lang="en-US"/>
           </a:p>
@@ -463,7 +466,7 @@
             <a:fld id="{1D8BD707-D9CF-40AE-B4C6-C98DA3205C09}" type="datetimeFigureOut">
               <a:rPr lang="en-US" smtClean="0"/>
               <a:pPr/>
-              <a:t>10/12/2020</a:t>
+              <a:t>10/14/2020</a:t>
             </a:fld>
             <a:endParaRPr lang="en-US"/>
           </a:p>
@@ -640,7 +643,7 @@
             <a:fld id="{1D8BD707-D9CF-40AE-B4C6-C98DA3205C09}" type="datetimeFigureOut">
               <a:rPr lang="en-US" smtClean="0"/>
               <a:pPr/>
-              <a:t>10/12/2020</a:t>
+              <a:t>10/14/2020</a:t>
             </a:fld>
             <a:endParaRPr lang="en-US"/>
           </a:p>
@@ -807,7 +810,7 @@
             <a:fld id="{1D8BD707-D9CF-40AE-B4C6-C98DA3205C09}" type="datetimeFigureOut">
               <a:rPr lang="en-US" smtClean="0"/>
               <a:pPr/>
-              <a:t>10/12/2020</a:t>
+              <a:t>10/14/2020</a:t>
             </a:fld>
             <a:endParaRPr lang="en-US"/>
           </a:p>
@@ -1050,7 +1053,7 @@
             <a:fld id="{1D8BD707-D9CF-40AE-B4C6-C98DA3205C09}" type="datetimeFigureOut">
               <a:rPr lang="en-US" smtClean="0"/>
               <a:pPr/>
-              <a:t>10/12/2020</a:t>
+              <a:t>10/14/2020</a:t>
             </a:fld>
             <a:endParaRPr lang="en-US"/>
           </a:p>
@@ -1335,7 +1338,7 @@
             <a:fld id="{1D8BD707-D9CF-40AE-B4C6-C98DA3205C09}" type="datetimeFigureOut">
               <a:rPr lang="en-US" smtClean="0"/>
               <a:pPr/>
-              <a:t>10/12/2020</a:t>
+              <a:t>10/14/2020</a:t>
             </a:fld>
             <a:endParaRPr lang="en-US"/>
           </a:p>
@@ -1754,7 +1757,7 @@
             <a:fld id="{1D8BD707-D9CF-40AE-B4C6-C98DA3205C09}" type="datetimeFigureOut">
               <a:rPr lang="en-US" smtClean="0"/>
               <a:pPr/>
-              <a:t>10/12/2020</a:t>
+              <a:t>10/14/2020</a:t>
             </a:fld>
             <a:endParaRPr lang="en-US"/>
           </a:p>
@@ -1869,7 +1872,7 @@
             <a:fld id="{1D8BD707-D9CF-40AE-B4C6-C98DA3205C09}" type="datetimeFigureOut">
               <a:rPr lang="en-US" smtClean="0"/>
               <a:pPr/>
-              <a:t>10/12/2020</a:t>
+              <a:t>10/14/2020</a:t>
             </a:fld>
             <a:endParaRPr lang="en-US"/>
           </a:p>
@@ -1961,7 +1964,7 @@
             <a:fld id="{1D8BD707-D9CF-40AE-B4C6-C98DA3205C09}" type="datetimeFigureOut">
               <a:rPr lang="en-US" smtClean="0"/>
               <a:pPr/>
-              <a:t>10/12/2020</a:t>
+              <a:t>10/14/2020</a:t>
             </a:fld>
             <a:endParaRPr lang="en-US"/>
           </a:p>
@@ -2235,7 +2238,7 @@
             <a:fld id="{1D8BD707-D9CF-40AE-B4C6-C98DA3205C09}" type="datetimeFigureOut">
               <a:rPr lang="en-US" smtClean="0"/>
               <a:pPr/>
-              <a:t>10/12/2020</a:t>
+              <a:t>10/14/2020</a:t>
             </a:fld>
             <a:endParaRPr lang="en-US"/>
           </a:p>
@@ -2485,7 +2488,7 @@
             <a:fld id="{1D8BD707-D9CF-40AE-B4C6-C98DA3205C09}" type="datetimeFigureOut">
               <a:rPr lang="en-US" smtClean="0"/>
               <a:pPr/>
-              <a:t>10/12/2020</a:t>
+              <a:t>10/14/2020</a:t>
             </a:fld>
             <a:endParaRPr lang="en-US"/>
           </a:p>
@@ -2695,7 +2698,7 @@
             <a:fld id="{1D8BD707-D9CF-40AE-B4C6-C98DA3205C09}" type="datetimeFigureOut">
               <a:rPr lang="en-US" smtClean="0"/>
               <a:pPr/>
-              <a:t>10/12/2020</a:t>
+              <a:t>10/14/2020</a:t>
             </a:fld>
             <a:endParaRPr lang="en-US"/>
           </a:p>
@@ -3400,6 +3403,1180 @@
     <p:extLst>
       <p:ext uri="{BB962C8B-B14F-4D97-AF65-F5344CB8AC3E}">
         <p14:creationId xmlns:p14="http://schemas.microsoft.com/office/powerpoint/2010/main" val="871514545"/>
+      </p:ext>
+    </p:extLst>
+  </p:cSld>
+  <p:clrMapOvr>
+    <a:masterClrMapping/>
+  </p:clrMapOvr>
+</p:sld>
+</file>
+
+<file path=ppt/slides/slide10.xml><?xml version="1.0" encoding="utf-8"?>
+<p:sld xmlns:a="http://schemas.openxmlformats.org/drawingml/2006/main" xmlns:r="http://schemas.openxmlformats.org/officeDocument/2006/relationships" xmlns:p="http://schemas.openxmlformats.org/presentationml/2006/main">
+  <p:cSld>
+    <p:spTree>
+      <p:nvGrpSpPr>
+        <p:cNvPr id="1" name=""/>
+        <p:cNvGrpSpPr/>
+        <p:nvPr/>
+      </p:nvGrpSpPr>
+      <p:grpSpPr>
+        <a:xfrm>
+          <a:off x="0" y="0"/>
+          <a:ext cx="0" cy="0"/>
+          <a:chOff x="0" y="0"/>
+          <a:chExt cx="0" cy="0"/>
+        </a:xfrm>
+      </p:grpSpPr>
+      <p:sp>
+        <p:nvSpPr>
+          <p:cNvPr id="2" name="Rectangle 2"/>
+          <p:cNvSpPr txBox="1">
+            <a:spLocks noChangeArrowheads="1"/>
+          </p:cNvSpPr>
+          <p:nvPr/>
+        </p:nvSpPr>
+        <p:spPr>
+          <a:xfrm>
+            <a:off x="685800" y="381000"/>
+            <a:ext cx="7772400" cy="1143000"/>
+          </a:xfrm>
+          <a:prstGeom prst="rect">
+            <a:avLst/>
+          </a:prstGeom>
+        </p:spPr>
+        <p:txBody>
+          <a:bodyPr/>
+          <a:lstStyle>
+            <a:lvl1pPr algn="ctr" defTabSz="914400" rtl="0" eaLnBrk="1" latinLnBrk="0" hangingPunct="1">
+              <a:spcBef>
+                <a:spcPct val="0"/>
+              </a:spcBef>
+              <a:buNone/>
+              <a:defRPr sz="4400" kern="1200">
+                <a:solidFill>
+                  <a:schemeClr val="tx1"/>
+                </a:solidFill>
+                <a:latin typeface="+mj-lt"/>
+                <a:ea typeface="+mj-ea"/>
+                <a:cs typeface="+mj-cs"/>
+              </a:defRPr>
+            </a:lvl1pPr>
+          </a:lstStyle>
+          <a:p>
+            <a:pPr fontAlgn="base"/>
+            <a:r>
+              <a:rPr lang="en-US" sz="3200" dirty="0"/>
+              <a:t>Executing a Stored Procedure</a:t>
+            </a:r>
+          </a:p>
+        </p:txBody>
+      </p:sp>
+      <p:sp>
+        <p:nvSpPr>
+          <p:cNvPr id="3" name="Rectangle 3"/>
+          <p:cNvSpPr txBox="1">
+            <a:spLocks noChangeArrowheads="1"/>
+          </p:cNvSpPr>
+          <p:nvPr/>
+        </p:nvSpPr>
+        <p:spPr>
+          <a:xfrm>
+            <a:off x="660722" y="1143000"/>
+            <a:ext cx="7772400" cy="4114800"/>
+          </a:xfrm>
+          <a:prstGeom prst="rect">
+            <a:avLst/>
+          </a:prstGeom>
+        </p:spPr>
+        <p:txBody>
+          <a:bodyPr/>
+          <a:lstStyle>
+            <a:lvl1pPr marL="342900" indent="-342900" algn="l" defTabSz="914400" rtl="0" eaLnBrk="1" latinLnBrk="0" hangingPunct="1">
+              <a:spcBef>
+                <a:spcPct val="20000"/>
+              </a:spcBef>
+              <a:buFont typeface="Arial" pitchFamily="34" charset="0"/>
+              <a:buChar char="•"/>
+              <a:defRPr sz="3200" kern="1200">
+                <a:solidFill>
+                  <a:schemeClr val="tx1"/>
+                </a:solidFill>
+                <a:latin typeface="+mn-lt"/>
+                <a:ea typeface="+mn-ea"/>
+                <a:cs typeface="+mn-cs"/>
+              </a:defRPr>
+            </a:lvl1pPr>
+            <a:lvl2pPr marL="742950" indent="-285750" algn="l" defTabSz="914400" rtl="0" eaLnBrk="1" latinLnBrk="0" hangingPunct="1">
+              <a:spcBef>
+                <a:spcPct val="20000"/>
+              </a:spcBef>
+              <a:buFont typeface="Arial" pitchFamily="34" charset="0"/>
+              <a:buChar char="–"/>
+              <a:defRPr sz="2800" kern="1200">
+                <a:solidFill>
+                  <a:schemeClr val="tx1"/>
+                </a:solidFill>
+                <a:latin typeface="+mn-lt"/>
+                <a:ea typeface="+mn-ea"/>
+                <a:cs typeface="+mn-cs"/>
+              </a:defRPr>
+            </a:lvl2pPr>
+            <a:lvl3pPr marL="1143000" indent="-228600" algn="l" defTabSz="914400" rtl="0" eaLnBrk="1" latinLnBrk="0" hangingPunct="1">
+              <a:spcBef>
+                <a:spcPct val="20000"/>
+              </a:spcBef>
+              <a:buFont typeface="Arial" pitchFamily="34" charset="0"/>
+              <a:buChar char="•"/>
+              <a:defRPr sz="2400" kern="1200">
+                <a:solidFill>
+                  <a:schemeClr val="tx1"/>
+                </a:solidFill>
+                <a:latin typeface="+mn-lt"/>
+                <a:ea typeface="+mn-ea"/>
+                <a:cs typeface="+mn-cs"/>
+              </a:defRPr>
+            </a:lvl3pPr>
+            <a:lvl4pPr marL="1600200" indent="-228600" algn="l" defTabSz="914400" rtl="0" eaLnBrk="1" latinLnBrk="0" hangingPunct="1">
+              <a:spcBef>
+                <a:spcPct val="20000"/>
+              </a:spcBef>
+              <a:buFont typeface="Arial" pitchFamily="34" charset="0"/>
+              <a:buChar char="–"/>
+              <a:defRPr sz="2000" kern="1200">
+                <a:solidFill>
+                  <a:schemeClr val="tx1"/>
+                </a:solidFill>
+                <a:latin typeface="+mn-lt"/>
+                <a:ea typeface="+mn-ea"/>
+                <a:cs typeface="+mn-cs"/>
+              </a:defRPr>
+            </a:lvl4pPr>
+            <a:lvl5pPr marL="2057400" indent="-228600" algn="l" defTabSz="914400" rtl="0" eaLnBrk="1" latinLnBrk="0" hangingPunct="1">
+              <a:spcBef>
+                <a:spcPct val="20000"/>
+              </a:spcBef>
+              <a:buFont typeface="Arial" pitchFamily="34" charset="0"/>
+              <a:buChar char="»"/>
+              <a:defRPr sz="2000" kern="1200">
+                <a:solidFill>
+                  <a:schemeClr val="tx1"/>
+                </a:solidFill>
+                <a:latin typeface="+mn-lt"/>
+                <a:ea typeface="+mn-ea"/>
+                <a:cs typeface="+mn-cs"/>
+              </a:defRPr>
+            </a:lvl5pPr>
+            <a:lvl6pPr marL="2514600" indent="-228600" algn="l" defTabSz="914400" rtl="0" eaLnBrk="1" latinLnBrk="0" hangingPunct="1">
+              <a:spcBef>
+                <a:spcPct val="20000"/>
+              </a:spcBef>
+              <a:buFont typeface="Arial" pitchFamily="34" charset="0"/>
+              <a:buChar char="•"/>
+              <a:defRPr sz="2000" kern="1200">
+                <a:solidFill>
+                  <a:schemeClr val="tx1"/>
+                </a:solidFill>
+                <a:latin typeface="+mn-lt"/>
+                <a:ea typeface="+mn-ea"/>
+                <a:cs typeface="+mn-cs"/>
+              </a:defRPr>
+            </a:lvl6pPr>
+            <a:lvl7pPr marL="2971800" indent="-228600" algn="l" defTabSz="914400" rtl="0" eaLnBrk="1" latinLnBrk="0" hangingPunct="1">
+              <a:spcBef>
+                <a:spcPct val="20000"/>
+              </a:spcBef>
+              <a:buFont typeface="Arial" pitchFamily="34" charset="0"/>
+              <a:buChar char="•"/>
+              <a:defRPr sz="2000" kern="1200">
+                <a:solidFill>
+                  <a:schemeClr val="tx1"/>
+                </a:solidFill>
+                <a:latin typeface="+mn-lt"/>
+                <a:ea typeface="+mn-ea"/>
+                <a:cs typeface="+mn-cs"/>
+              </a:defRPr>
+            </a:lvl7pPr>
+            <a:lvl8pPr marL="3429000" indent="-228600" algn="l" defTabSz="914400" rtl="0" eaLnBrk="1" latinLnBrk="0" hangingPunct="1">
+              <a:spcBef>
+                <a:spcPct val="20000"/>
+              </a:spcBef>
+              <a:buFont typeface="Arial" pitchFamily="34" charset="0"/>
+              <a:buChar char="•"/>
+              <a:defRPr sz="2000" kern="1200">
+                <a:solidFill>
+                  <a:schemeClr val="tx1"/>
+                </a:solidFill>
+                <a:latin typeface="+mn-lt"/>
+                <a:ea typeface="+mn-ea"/>
+                <a:cs typeface="+mn-cs"/>
+              </a:defRPr>
+            </a:lvl8pPr>
+            <a:lvl9pPr marL="3886200" indent="-228600" algn="l" defTabSz="914400" rtl="0" eaLnBrk="1" latinLnBrk="0" hangingPunct="1">
+              <a:spcBef>
+                <a:spcPct val="20000"/>
+              </a:spcBef>
+              <a:buFont typeface="Arial" pitchFamily="34" charset="0"/>
+              <a:buChar char="•"/>
+              <a:defRPr sz="2000" kern="1200">
+                <a:solidFill>
+                  <a:schemeClr val="tx1"/>
+                </a:solidFill>
+                <a:latin typeface="+mn-lt"/>
+                <a:ea typeface="+mn-ea"/>
+                <a:cs typeface="+mn-cs"/>
+              </a:defRPr>
+            </a:lvl9pPr>
+          </a:lstStyle>
+          <a:p>
+            <a:pPr marL="0" lvl="0" indent="0" eaLnBrk="0" hangingPunct="0">
+              <a:buNone/>
+            </a:pPr>
+            <a:r>
+              <a:rPr lang="en-US" sz="2000" dirty="0"/>
+              <a:t>Using a stored procedure with ADO.NET is easy. You simply follow four steps:</a:t>
+            </a:r>
+            <a:endParaRPr lang="en-US" altLang="en-US" dirty="0"/>
+          </a:p>
+          <a:p>
+            <a:pPr fontAlgn="base"/>
+            <a:r>
+              <a:rPr lang="en-US" sz="1800" dirty="0"/>
+              <a:t>Create a Command, and set its CommandType property to StoredProcedure.</a:t>
+            </a:r>
+          </a:p>
+          <a:p>
+            <a:pPr fontAlgn="base"/>
+            <a:r>
+              <a:rPr lang="en-US" sz="1800" dirty="0"/>
+              <a:t>Set the CommandText to the name of the stored procedure.</a:t>
+            </a:r>
+          </a:p>
+          <a:p>
+            <a:pPr fontAlgn="base"/>
+            <a:r>
+              <a:rPr lang="en-US" sz="1800" dirty="0"/>
+              <a:t>Add any required parameters to the Command.Parameters collection.</a:t>
+            </a:r>
+          </a:p>
+          <a:p>
+            <a:pPr fontAlgn="base"/>
+            <a:r>
+              <a:rPr lang="en-US" sz="1800" dirty="0"/>
+              <a:t>Execute the Command with the ExecuteNonQuery( ), ExecuteScalar( ), or ExecuteQuery( ) method (depending on the type of output generated by the stored procedure).</a:t>
+            </a:r>
+          </a:p>
+          <a:p>
+            <a:pPr marL="0" lvl="0" indent="0" eaLnBrk="0" fontAlgn="base" hangingPunct="0">
+              <a:spcBef>
+                <a:spcPct val="0"/>
+              </a:spcBef>
+              <a:spcAft>
+                <a:spcPct val="0"/>
+              </a:spcAft>
+              <a:buNone/>
+            </a:pPr>
+            <a:endParaRPr lang="en-US" altLang="en-US" dirty="0">
+              <a:latin typeface="Arial" pitchFamily="34" charset="0"/>
+              <a:cs typeface="Arial" pitchFamily="34" charset="0"/>
+            </a:endParaRPr>
+          </a:p>
+          <a:p>
+            <a:pPr marL="0" lvl="0" indent="0" eaLnBrk="0" fontAlgn="base" hangingPunct="0">
+              <a:spcBef>
+                <a:spcPct val="0"/>
+              </a:spcBef>
+              <a:spcAft>
+                <a:spcPct val="0"/>
+              </a:spcAft>
+              <a:buNone/>
+            </a:pPr>
+            <a:endParaRPr lang="en-US" altLang="en-US" dirty="0"/>
+          </a:p>
+          <a:p>
+            <a:pPr marL="0" lvl="0" indent="0" eaLnBrk="0" fontAlgn="base" hangingPunct="0">
+              <a:spcBef>
+                <a:spcPct val="0"/>
+              </a:spcBef>
+              <a:spcAft>
+                <a:spcPct val="0"/>
+              </a:spcAft>
+              <a:buNone/>
+            </a:pPr>
+            <a:endParaRPr lang="en-US" altLang="en-US" dirty="0">
+              <a:latin typeface="Arial" pitchFamily="34" charset="0"/>
+              <a:cs typeface="Arial" pitchFamily="34" charset="0"/>
+            </a:endParaRPr>
+          </a:p>
+          <a:p>
+            <a:pPr marL="0" lvl="0" indent="0" eaLnBrk="0" fontAlgn="base" hangingPunct="0">
+              <a:spcBef>
+                <a:spcPct val="0"/>
+              </a:spcBef>
+              <a:spcAft>
+                <a:spcPct val="0"/>
+              </a:spcAft>
+              <a:buNone/>
+            </a:pPr>
+            <a:endParaRPr lang="en-US" altLang="en-US" dirty="0"/>
+          </a:p>
+          <a:p>
+            <a:pPr marL="0" lvl="0" indent="0" eaLnBrk="0" fontAlgn="base" hangingPunct="0">
+              <a:spcBef>
+                <a:spcPct val="0"/>
+              </a:spcBef>
+              <a:spcAft>
+                <a:spcPct val="0"/>
+              </a:spcAft>
+              <a:buNone/>
+            </a:pPr>
+            <a:endParaRPr lang="en-US" altLang="en-US" dirty="0">
+              <a:latin typeface="Arial" pitchFamily="34" charset="0"/>
+              <a:cs typeface="Arial" pitchFamily="34" charset="0"/>
+            </a:endParaRPr>
+          </a:p>
+          <a:p>
+            <a:pPr marL="0" lvl="0" indent="0" eaLnBrk="0" fontAlgn="base" hangingPunct="0">
+              <a:spcBef>
+                <a:spcPct val="0"/>
+              </a:spcBef>
+              <a:spcAft>
+                <a:spcPct val="0"/>
+              </a:spcAft>
+              <a:buNone/>
+            </a:pPr>
+            <a:endParaRPr lang="en-US" altLang="en-US" dirty="0"/>
+          </a:p>
+          <a:p>
+            <a:pPr marL="0" lvl="0" indent="0" eaLnBrk="0" fontAlgn="base" hangingPunct="0">
+              <a:spcBef>
+                <a:spcPct val="0"/>
+              </a:spcBef>
+              <a:spcAft>
+                <a:spcPct val="0"/>
+              </a:spcAft>
+              <a:buNone/>
+            </a:pPr>
+            <a:endParaRPr lang="en-US" altLang="en-US" dirty="0">
+              <a:latin typeface="Arial" pitchFamily="34" charset="0"/>
+              <a:cs typeface="Arial" pitchFamily="34" charset="0"/>
+            </a:endParaRPr>
+          </a:p>
+          <a:p>
+            <a:pPr marL="0" lvl="0" indent="0" eaLnBrk="0" fontAlgn="base" hangingPunct="0">
+              <a:spcBef>
+                <a:spcPct val="0"/>
+              </a:spcBef>
+              <a:spcAft>
+                <a:spcPct val="0"/>
+              </a:spcAft>
+              <a:buNone/>
+            </a:pPr>
+            <a:endParaRPr lang="en-US" altLang="en-US" dirty="0"/>
+          </a:p>
+          <a:p>
+            <a:pPr marL="0" lvl="0" indent="0" eaLnBrk="0" fontAlgn="base" hangingPunct="0">
+              <a:spcBef>
+                <a:spcPct val="0"/>
+              </a:spcBef>
+              <a:spcAft>
+                <a:spcPct val="0"/>
+              </a:spcAft>
+              <a:buNone/>
+            </a:pPr>
+            <a:endParaRPr lang="en-US" altLang="en-US" dirty="0">
+              <a:latin typeface="Arial" pitchFamily="34" charset="0"/>
+              <a:cs typeface="Arial" pitchFamily="34" charset="0"/>
+            </a:endParaRPr>
+          </a:p>
+          <a:p>
+            <a:pPr marL="0" lvl="0" indent="0" eaLnBrk="0" fontAlgn="base" hangingPunct="0">
+              <a:spcBef>
+                <a:spcPct val="0"/>
+              </a:spcBef>
+              <a:spcAft>
+                <a:spcPct val="0"/>
+              </a:spcAft>
+              <a:buNone/>
+            </a:pPr>
+            <a:endParaRPr lang="en-US" altLang="en-US" dirty="0"/>
+          </a:p>
+          <a:p>
+            <a:pPr marL="0" lvl="0" indent="0" eaLnBrk="0" fontAlgn="base" hangingPunct="0">
+              <a:spcBef>
+                <a:spcPct val="0"/>
+              </a:spcBef>
+              <a:spcAft>
+                <a:spcPct val="0"/>
+              </a:spcAft>
+              <a:buNone/>
+            </a:pPr>
+            <a:endParaRPr lang="en-US" altLang="en-US" dirty="0">
+              <a:latin typeface="Arial" pitchFamily="34" charset="0"/>
+              <a:cs typeface="Arial" pitchFamily="34" charset="0"/>
+            </a:endParaRPr>
+          </a:p>
+          <a:p>
+            <a:pPr marL="0" lvl="0" indent="0" eaLnBrk="0" fontAlgn="base" hangingPunct="0">
+              <a:spcBef>
+                <a:spcPct val="0"/>
+              </a:spcBef>
+              <a:spcAft>
+                <a:spcPct val="0"/>
+              </a:spcAft>
+              <a:buNone/>
+            </a:pPr>
+            <a:endParaRPr lang="en-US" altLang="en-US" dirty="0"/>
+          </a:p>
+          <a:p>
+            <a:pPr marL="0" lvl="0" indent="0" eaLnBrk="0" fontAlgn="base" hangingPunct="0">
+              <a:spcBef>
+                <a:spcPct val="0"/>
+              </a:spcBef>
+              <a:spcAft>
+                <a:spcPct val="0"/>
+              </a:spcAft>
+              <a:buNone/>
+            </a:pPr>
+            <a:endParaRPr lang="en-US" altLang="en-US" dirty="0">
+              <a:latin typeface="Arial" pitchFamily="34" charset="0"/>
+              <a:cs typeface="Arial" pitchFamily="34" charset="0"/>
+            </a:endParaRPr>
+          </a:p>
+          <a:p>
+            <a:pPr marL="0" lvl="0" indent="0" eaLnBrk="0" fontAlgn="base" hangingPunct="0">
+              <a:spcBef>
+                <a:spcPct val="0"/>
+              </a:spcBef>
+              <a:spcAft>
+                <a:spcPct val="0"/>
+              </a:spcAft>
+              <a:buNone/>
+            </a:pPr>
+            <a:endParaRPr lang="en-US" altLang="en-US" dirty="0"/>
+          </a:p>
+          <a:p>
+            <a:pPr marL="0" lvl="0" indent="0" eaLnBrk="0" fontAlgn="base" hangingPunct="0">
+              <a:spcBef>
+                <a:spcPct val="0"/>
+              </a:spcBef>
+              <a:spcAft>
+                <a:spcPct val="0"/>
+              </a:spcAft>
+              <a:buNone/>
+            </a:pPr>
+            <a:endParaRPr lang="en-US" altLang="en-US" dirty="0">
+              <a:latin typeface="Arial" pitchFamily="34" charset="0"/>
+              <a:cs typeface="Arial" pitchFamily="34" charset="0"/>
+            </a:endParaRPr>
+          </a:p>
+        </p:txBody>
+      </p:sp>
+    </p:spTree>
+    <p:extLst>
+      <p:ext uri="{BB962C8B-B14F-4D97-AF65-F5344CB8AC3E}">
+        <p14:creationId xmlns:p14="http://schemas.microsoft.com/office/powerpoint/2010/main" val="3137886836"/>
+      </p:ext>
+    </p:extLst>
+  </p:cSld>
+  <p:clrMapOvr>
+    <a:masterClrMapping/>
+  </p:clrMapOvr>
+</p:sld>
+</file>
+
+<file path=ppt/slides/slide11.xml><?xml version="1.0" encoding="utf-8"?>
+<p:sld xmlns:a="http://schemas.openxmlformats.org/drawingml/2006/main" xmlns:r="http://schemas.openxmlformats.org/officeDocument/2006/relationships" xmlns:p="http://schemas.openxmlformats.org/presentationml/2006/main">
+  <p:cSld>
+    <p:spTree>
+      <p:nvGrpSpPr>
+        <p:cNvPr id="1" name=""/>
+        <p:cNvGrpSpPr/>
+        <p:nvPr/>
+      </p:nvGrpSpPr>
+      <p:grpSpPr>
+        <a:xfrm>
+          <a:off x="0" y="0"/>
+          <a:ext cx="0" cy="0"/>
+          <a:chOff x="0" y="0"/>
+          <a:chExt cx="0" cy="0"/>
+        </a:xfrm>
+      </p:grpSpPr>
+      <p:sp>
+        <p:nvSpPr>
+          <p:cNvPr id="2" name="Rectangle 2"/>
+          <p:cNvSpPr txBox="1">
+            <a:spLocks noChangeArrowheads="1"/>
+          </p:cNvSpPr>
+          <p:nvPr/>
+        </p:nvSpPr>
+        <p:spPr>
+          <a:xfrm>
+            <a:off x="685800" y="381000"/>
+            <a:ext cx="7772400" cy="1143000"/>
+          </a:xfrm>
+          <a:prstGeom prst="rect">
+            <a:avLst/>
+          </a:prstGeom>
+        </p:spPr>
+        <p:txBody>
+          <a:bodyPr/>
+          <a:lstStyle>
+            <a:lvl1pPr algn="ctr" defTabSz="914400" rtl="0" eaLnBrk="1" latinLnBrk="0" hangingPunct="1">
+              <a:spcBef>
+                <a:spcPct val="0"/>
+              </a:spcBef>
+              <a:buNone/>
+              <a:defRPr sz="4400" kern="1200">
+                <a:solidFill>
+                  <a:schemeClr val="tx1"/>
+                </a:solidFill>
+                <a:latin typeface="+mj-lt"/>
+                <a:ea typeface="+mj-ea"/>
+                <a:cs typeface="+mj-cs"/>
+              </a:defRPr>
+            </a:lvl1pPr>
+          </a:lstStyle>
+          <a:p>
+            <a:pPr fontAlgn="base"/>
+            <a:r>
+              <a:rPr lang="en-US" sz="3200" dirty="0"/>
+              <a:t>Executing a Stored Procedure</a:t>
+            </a:r>
+          </a:p>
+        </p:txBody>
+      </p:sp>
+      <p:sp>
+        <p:nvSpPr>
+          <p:cNvPr id="3" name="Rectangle 3"/>
+          <p:cNvSpPr txBox="1">
+            <a:spLocks noChangeArrowheads="1"/>
+          </p:cNvSpPr>
+          <p:nvPr/>
+        </p:nvSpPr>
+        <p:spPr>
+          <a:xfrm>
+            <a:off x="660722" y="1143000"/>
+            <a:ext cx="7772400" cy="4114800"/>
+          </a:xfrm>
+          <a:prstGeom prst="rect">
+            <a:avLst/>
+          </a:prstGeom>
+        </p:spPr>
+        <p:txBody>
+          <a:bodyPr/>
+          <a:lstStyle>
+            <a:lvl1pPr marL="342900" indent="-342900" algn="l" defTabSz="914400" rtl="0" eaLnBrk="1" latinLnBrk="0" hangingPunct="1">
+              <a:spcBef>
+                <a:spcPct val="20000"/>
+              </a:spcBef>
+              <a:buFont typeface="Arial" pitchFamily="34" charset="0"/>
+              <a:buChar char="•"/>
+              <a:defRPr sz="3200" kern="1200">
+                <a:solidFill>
+                  <a:schemeClr val="tx1"/>
+                </a:solidFill>
+                <a:latin typeface="+mn-lt"/>
+                <a:ea typeface="+mn-ea"/>
+                <a:cs typeface="+mn-cs"/>
+              </a:defRPr>
+            </a:lvl1pPr>
+            <a:lvl2pPr marL="742950" indent="-285750" algn="l" defTabSz="914400" rtl="0" eaLnBrk="1" latinLnBrk="0" hangingPunct="1">
+              <a:spcBef>
+                <a:spcPct val="20000"/>
+              </a:spcBef>
+              <a:buFont typeface="Arial" pitchFamily="34" charset="0"/>
+              <a:buChar char="–"/>
+              <a:defRPr sz="2800" kern="1200">
+                <a:solidFill>
+                  <a:schemeClr val="tx1"/>
+                </a:solidFill>
+                <a:latin typeface="+mn-lt"/>
+                <a:ea typeface="+mn-ea"/>
+                <a:cs typeface="+mn-cs"/>
+              </a:defRPr>
+            </a:lvl2pPr>
+            <a:lvl3pPr marL="1143000" indent="-228600" algn="l" defTabSz="914400" rtl="0" eaLnBrk="1" latinLnBrk="0" hangingPunct="1">
+              <a:spcBef>
+                <a:spcPct val="20000"/>
+              </a:spcBef>
+              <a:buFont typeface="Arial" pitchFamily="34" charset="0"/>
+              <a:buChar char="•"/>
+              <a:defRPr sz="2400" kern="1200">
+                <a:solidFill>
+                  <a:schemeClr val="tx1"/>
+                </a:solidFill>
+                <a:latin typeface="+mn-lt"/>
+                <a:ea typeface="+mn-ea"/>
+                <a:cs typeface="+mn-cs"/>
+              </a:defRPr>
+            </a:lvl3pPr>
+            <a:lvl4pPr marL="1600200" indent="-228600" algn="l" defTabSz="914400" rtl="0" eaLnBrk="1" latinLnBrk="0" hangingPunct="1">
+              <a:spcBef>
+                <a:spcPct val="20000"/>
+              </a:spcBef>
+              <a:buFont typeface="Arial" pitchFamily="34" charset="0"/>
+              <a:buChar char="–"/>
+              <a:defRPr sz="2000" kern="1200">
+                <a:solidFill>
+                  <a:schemeClr val="tx1"/>
+                </a:solidFill>
+                <a:latin typeface="+mn-lt"/>
+                <a:ea typeface="+mn-ea"/>
+                <a:cs typeface="+mn-cs"/>
+              </a:defRPr>
+            </a:lvl4pPr>
+            <a:lvl5pPr marL="2057400" indent="-228600" algn="l" defTabSz="914400" rtl="0" eaLnBrk="1" latinLnBrk="0" hangingPunct="1">
+              <a:spcBef>
+                <a:spcPct val="20000"/>
+              </a:spcBef>
+              <a:buFont typeface="Arial" pitchFamily="34" charset="0"/>
+              <a:buChar char="»"/>
+              <a:defRPr sz="2000" kern="1200">
+                <a:solidFill>
+                  <a:schemeClr val="tx1"/>
+                </a:solidFill>
+                <a:latin typeface="+mn-lt"/>
+                <a:ea typeface="+mn-ea"/>
+                <a:cs typeface="+mn-cs"/>
+              </a:defRPr>
+            </a:lvl5pPr>
+            <a:lvl6pPr marL="2514600" indent="-228600" algn="l" defTabSz="914400" rtl="0" eaLnBrk="1" latinLnBrk="0" hangingPunct="1">
+              <a:spcBef>
+                <a:spcPct val="20000"/>
+              </a:spcBef>
+              <a:buFont typeface="Arial" pitchFamily="34" charset="0"/>
+              <a:buChar char="•"/>
+              <a:defRPr sz="2000" kern="1200">
+                <a:solidFill>
+                  <a:schemeClr val="tx1"/>
+                </a:solidFill>
+                <a:latin typeface="+mn-lt"/>
+                <a:ea typeface="+mn-ea"/>
+                <a:cs typeface="+mn-cs"/>
+              </a:defRPr>
+            </a:lvl6pPr>
+            <a:lvl7pPr marL="2971800" indent="-228600" algn="l" defTabSz="914400" rtl="0" eaLnBrk="1" latinLnBrk="0" hangingPunct="1">
+              <a:spcBef>
+                <a:spcPct val="20000"/>
+              </a:spcBef>
+              <a:buFont typeface="Arial" pitchFamily="34" charset="0"/>
+              <a:buChar char="•"/>
+              <a:defRPr sz="2000" kern="1200">
+                <a:solidFill>
+                  <a:schemeClr val="tx1"/>
+                </a:solidFill>
+                <a:latin typeface="+mn-lt"/>
+                <a:ea typeface="+mn-ea"/>
+                <a:cs typeface="+mn-cs"/>
+              </a:defRPr>
+            </a:lvl7pPr>
+            <a:lvl8pPr marL="3429000" indent="-228600" algn="l" defTabSz="914400" rtl="0" eaLnBrk="1" latinLnBrk="0" hangingPunct="1">
+              <a:spcBef>
+                <a:spcPct val="20000"/>
+              </a:spcBef>
+              <a:buFont typeface="Arial" pitchFamily="34" charset="0"/>
+              <a:buChar char="•"/>
+              <a:defRPr sz="2000" kern="1200">
+                <a:solidFill>
+                  <a:schemeClr val="tx1"/>
+                </a:solidFill>
+                <a:latin typeface="+mn-lt"/>
+                <a:ea typeface="+mn-ea"/>
+                <a:cs typeface="+mn-cs"/>
+              </a:defRPr>
+            </a:lvl8pPr>
+            <a:lvl9pPr marL="3886200" indent="-228600" algn="l" defTabSz="914400" rtl="0" eaLnBrk="1" latinLnBrk="0" hangingPunct="1">
+              <a:spcBef>
+                <a:spcPct val="20000"/>
+              </a:spcBef>
+              <a:buFont typeface="Arial" pitchFamily="34" charset="0"/>
+              <a:buChar char="•"/>
+              <a:defRPr sz="2000" kern="1200">
+                <a:solidFill>
+                  <a:schemeClr val="tx1"/>
+                </a:solidFill>
+                <a:latin typeface="+mn-lt"/>
+                <a:ea typeface="+mn-ea"/>
+                <a:cs typeface="+mn-cs"/>
+              </a:defRPr>
+            </a:lvl9pPr>
+          </a:lstStyle>
+          <a:p>
+            <a:pPr marL="0" lvl="0" indent="0" eaLnBrk="0" fontAlgn="base" hangingPunct="0">
+              <a:spcBef>
+                <a:spcPct val="0"/>
+              </a:spcBef>
+              <a:spcAft>
+                <a:spcPct val="0"/>
+              </a:spcAft>
+              <a:buNone/>
+            </a:pPr>
+            <a:r>
+              <a:rPr lang="en-US" sz="1800" dirty="0"/>
+              <a:t>string SQL = "</a:t>
+            </a:r>
+            <a:r>
+              <a:rPr lang="en-US" sz="1800" dirty="0" err="1"/>
+              <a:t>UpdateCategory</a:t>
+            </a:r>
+            <a:r>
+              <a:rPr lang="en-US" sz="1800" dirty="0"/>
+              <a:t>"; </a:t>
+            </a:r>
+            <a:endParaRPr lang="en-US" sz="1800" dirty="0" smtClean="0"/>
+          </a:p>
+          <a:p>
+            <a:pPr marL="0" lvl="0" indent="0" eaLnBrk="0" fontAlgn="base" hangingPunct="0">
+              <a:spcBef>
+                <a:spcPct val="0"/>
+              </a:spcBef>
+              <a:spcAft>
+                <a:spcPct val="0"/>
+              </a:spcAft>
+              <a:buNone/>
+            </a:pPr>
+            <a:r>
+              <a:rPr lang="en-US" sz="1800" dirty="0" smtClean="0"/>
+              <a:t>// </a:t>
+            </a:r>
+            <a:r>
+              <a:rPr lang="en-US" sz="1800" dirty="0"/>
+              <a:t>Create ADO.NET objects. </a:t>
+            </a:r>
+            <a:endParaRPr lang="en-US" sz="1800" dirty="0" smtClean="0"/>
+          </a:p>
+          <a:p>
+            <a:pPr marL="0" lvl="0" indent="0" eaLnBrk="0" fontAlgn="base" hangingPunct="0">
+              <a:spcBef>
+                <a:spcPct val="0"/>
+              </a:spcBef>
+              <a:spcAft>
+                <a:spcPct val="0"/>
+              </a:spcAft>
+              <a:buNone/>
+            </a:pPr>
+            <a:endParaRPr lang="en-US" sz="1800" dirty="0" smtClean="0"/>
+          </a:p>
+          <a:p>
+            <a:pPr marL="0" lvl="0" indent="0" eaLnBrk="0" fontAlgn="base" hangingPunct="0">
+              <a:spcBef>
+                <a:spcPct val="0"/>
+              </a:spcBef>
+              <a:spcAft>
+                <a:spcPct val="0"/>
+              </a:spcAft>
+              <a:buNone/>
+            </a:pPr>
+            <a:r>
+              <a:rPr lang="en-US" sz="1800" dirty="0" err="1" smtClean="0"/>
+              <a:t>SqlConnection</a:t>
+            </a:r>
+            <a:r>
+              <a:rPr lang="en-US" sz="1800" dirty="0" smtClean="0"/>
+              <a:t> </a:t>
+            </a:r>
+            <a:r>
+              <a:rPr lang="en-US" sz="1800" dirty="0"/>
+              <a:t>con = new </a:t>
+            </a:r>
+            <a:r>
+              <a:rPr lang="en-US" sz="1800" dirty="0" err="1"/>
+              <a:t>SqlConnection</a:t>
+            </a:r>
+            <a:r>
+              <a:rPr lang="en-US" sz="1800" dirty="0"/>
+              <a:t>(</a:t>
+            </a:r>
+            <a:r>
+              <a:rPr lang="en-US" sz="1800" dirty="0" err="1"/>
+              <a:t>connectionString</a:t>
+            </a:r>
+            <a:r>
+              <a:rPr lang="en-US" sz="1800" dirty="0"/>
+              <a:t>); </a:t>
+            </a:r>
+            <a:endParaRPr lang="en-US" sz="1800" dirty="0" smtClean="0"/>
+          </a:p>
+          <a:p>
+            <a:pPr marL="0" lvl="0" indent="0" eaLnBrk="0" fontAlgn="base" hangingPunct="0">
+              <a:spcBef>
+                <a:spcPct val="0"/>
+              </a:spcBef>
+              <a:spcAft>
+                <a:spcPct val="0"/>
+              </a:spcAft>
+              <a:buNone/>
+            </a:pPr>
+            <a:endParaRPr lang="en-US" sz="1800" dirty="0"/>
+          </a:p>
+          <a:p>
+            <a:pPr marL="0" lvl="0" indent="0" eaLnBrk="0" fontAlgn="base" hangingPunct="0">
+              <a:spcBef>
+                <a:spcPct val="0"/>
+              </a:spcBef>
+              <a:spcAft>
+                <a:spcPct val="0"/>
+              </a:spcAft>
+              <a:buNone/>
+            </a:pPr>
+            <a:r>
+              <a:rPr lang="en-US" sz="1800" dirty="0" err="1" smtClean="0"/>
+              <a:t>SqlCommand</a:t>
+            </a:r>
+            <a:r>
+              <a:rPr lang="en-US" sz="1800" dirty="0" smtClean="0"/>
+              <a:t> </a:t>
+            </a:r>
+            <a:r>
+              <a:rPr lang="en-US" sz="1800" dirty="0" err="1"/>
+              <a:t>cmd</a:t>
+            </a:r>
+            <a:r>
+              <a:rPr lang="en-US" sz="1800" dirty="0"/>
+              <a:t> = new </a:t>
+            </a:r>
+            <a:r>
+              <a:rPr lang="en-US" sz="1800" dirty="0" err="1"/>
+              <a:t>SqlCommand</a:t>
+            </a:r>
+            <a:r>
+              <a:rPr lang="en-US" sz="1800" dirty="0"/>
+              <a:t>(SQL, con); </a:t>
+            </a:r>
+            <a:endParaRPr lang="en-US" sz="1800" dirty="0" smtClean="0"/>
+          </a:p>
+          <a:p>
+            <a:pPr marL="0" lvl="0" indent="0" eaLnBrk="0" fontAlgn="base" hangingPunct="0">
+              <a:spcBef>
+                <a:spcPct val="0"/>
+              </a:spcBef>
+              <a:spcAft>
+                <a:spcPct val="0"/>
+              </a:spcAft>
+              <a:buNone/>
+            </a:pPr>
+            <a:r>
+              <a:rPr lang="en-US" sz="1800" dirty="0" err="1" smtClean="0"/>
+              <a:t>cmd.CommandType</a:t>
+            </a:r>
+            <a:r>
+              <a:rPr lang="en-US" sz="1800" dirty="0" smtClean="0"/>
+              <a:t> </a:t>
+            </a:r>
+            <a:r>
+              <a:rPr lang="en-US" sz="1800" dirty="0"/>
+              <a:t>= </a:t>
+            </a:r>
+            <a:r>
+              <a:rPr lang="en-US" sz="1800" dirty="0" err="1"/>
+              <a:t>CommandType.StoredProcedure</a:t>
+            </a:r>
+            <a:r>
+              <a:rPr lang="en-US" sz="1800" dirty="0"/>
+              <a:t>; </a:t>
+            </a:r>
+            <a:endParaRPr lang="en-US" sz="1800" dirty="0" smtClean="0"/>
+          </a:p>
+          <a:p>
+            <a:pPr marL="0" lvl="0" indent="0" eaLnBrk="0" fontAlgn="base" hangingPunct="0">
+              <a:spcBef>
+                <a:spcPct val="0"/>
+              </a:spcBef>
+              <a:spcAft>
+                <a:spcPct val="0"/>
+              </a:spcAft>
+              <a:buNone/>
+            </a:pPr>
+            <a:r>
+              <a:rPr lang="en-US" sz="1800" dirty="0" err="1" smtClean="0"/>
+              <a:t>SqlParameter</a:t>
+            </a:r>
+            <a:r>
+              <a:rPr lang="en-US" sz="1800" dirty="0" smtClean="0"/>
+              <a:t> </a:t>
+            </a:r>
+            <a:r>
+              <a:rPr lang="en-US" sz="1800" dirty="0" err="1"/>
+              <a:t>param</a:t>
+            </a:r>
+            <a:r>
+              <a:rPr lang="en-US" sz="1800" dirty="0"/>
+              <a:t>; </a:t>
+            </a:r>
+            <a:endParaRPr lang="en-US" sz="1800" dirty="0" smtClean="0"/>
+          </a:p>
+          <a:p>
+            <a:pPr marL="0" lvl="0" indent="0" eaLnBrk="0" fontAlgn="base" hangingPunct="0">
+              <a:spcBef>
+                <a:spcPct val="0"/>
+              </a:spcBef>
+              <a:spcAft>
+                <a:spcPct val="0"/>
+              </a:spcAft>
+              <a:buNone/>
+            </a:pPr>
+            <a:r>
+              <a:rPr lang="en-US" sz="1800" dirty="0" err="1" smtClean="0"/>
+              <a:t>param</a:t>
+            </a:r>
+            <a:r>
+              <a:rPr lang="en-US" sz="1800" dirty="0" smtClean="0"/>
+              <a:t> </a:t>
+            </a:r>
+            <a:r>
+              <a:rPr lang="en-US" sz="1800" dirty="0"/>
+              <a:t>= </a:t>
+            </a:r>
+            <a:r>
+              <a:rPr lang="en-US" sz="1800" dirty="0" err="1"/>
+              <a:t>cmd.Parameters.Add</a:t>
+            </a:r>
+            <a:r>
+              <a:rPr lang="en-US" sz="1800" dirty="0"/>
+              <a:t>("@</a:t>
+            </a:r>
+            <a:r>
+              <a:rPr lang="en-US" sz="1800" dirty="0" err="1"/>
+              <a:t>CategoryName</a:t>
+            </a:r>
+            <a:r>
+              <a:rPr lang="en-US" sz="1800" dirty="0"/>
+              <a:t>", </a:t>
+            </a:r>
+            <a:r>
+              <a:rPr lang="en-US" sz="1800" dirty="0" err="1"/>
+              <a:t>SqlDbType.NVarChar</a:t>
+            </a:r>
+            <a:r>
+              <a:rPr lang="en-US" sz="1800" dirty="0"/>
+              <a:t>, 15</a:t>
+            </a:r>
+            <a:r>
+              <a:rPr lang="en-US" sz="1800" dirty="0" smtClean="0"/>
+              <a:t>); </a:t>
+            </a:r>
+          </a:p>
+          <a:p>
+            <a:pPr marL="0" lvl="0" indent="0" eaLnBrk="0" fontAlgn="base" hangingPunct="0">
+              <a:spcBef>
+                <a:spcPct val="0"/>
+              </a:spcBef>
+              <a:spcAft>
+                <a:spcPct val="0"/>
+              </a:spcAft>
+              <a:buNone/>
+            </a:pPr>
+            <a:endParaRPr lang="en-US" sz="1800" dirty="0"/>
+          </a:p>
+          <a:p>
+            <a:pPr marL="0" lvl="0" indent="0" eaLnBrk="0" fontAlgn="base" hangingPunct="0">
+              <a:spcBef>
+                <a:spcPct val="0"/>
+              </a:spcBef>
+              <a:spcAft>
+                <a:spcPct val="0"/>
+              </a:spcAft>
+              <a:buNone/>
+            </a:pPr>
+            <a:r>
+              <a:rPr lang="en-US" sz="1800" dirty="0" err="1" smtClean="0"/>
+              <a:t>param.Value</a:t>
+            </a:r>
+            <a:r>
+              <a:rPr lang="en-US" sz="1800" dirty="0" smtClean="0"/>
+              <a:t> </a:t>
+            </a:r>
+            <a:r>
+              <a:rPr lang="en-US" sz="1800" dirty="0"/>
+              <a:t>= "Beverages</a:t>
+            </a:r>
+            <a:r>
+              <a:rPr lang="en-US" sz="1800" dirty="0" smtClean="0"/>
+              <a:t>";</a:t>
+            </a:r>
+          </a:p>
+          <a:p>
+            <a:pPr marL="0" lvl="0" indent="0" eaLnBrk="0" fontAlgn="base" hangingPunct="0">
+              <a:spcBef>
+                <a:spcPct val="0"/>
+              </a:spcBef>
+              <a:spcAft>
+                <a:spcPct val="0"/>
+              </a:spcAft>
+              <a:buNone/>
+            </a:pPr>
+            <a:r>
+              <a:rPr lang="en-US" sz="1800" dirty="0" err="1" smtClean="0"/>
+              <a:t>param</a:t>
+            </a:r>
+            <a:r>
+              <a:rPr lang="en-US" sz="1800" dirty="0" smtClean="0"/>
+              <a:t> </a:t>
+            </a:r>
+            <a:r>
+              <a:rPr lang="en-US" sz="1800" dirty="0"/>
+              <a:t>= </a:t>
+            </a:r>
+            <a:r>
+              <a:rPr lang="en-US" sz="1800" dirty="0" err="1"/>
+              <a:t>cmd.Parameters.Add</a:t>
+            </a:r>
+            <a:r>
+              <a:rPr lang="en-US" sz="1800" dirty="0"/>
+              <a:t>("@</a:t>
+            </a:r>
+            <a:r>
+              <a:rPr lang="en-US" sz="1800" dirty="0" err="1"/>
+              <a:t>CategoryID</a:t>
+            </a:r>
+            <a:r>
+              <a:rPr lang="en-US" sz="1800" dirty="0"/>
+              <a:t>", </a:t>
+            </a:r>
+            <a:r>
+              <a:rPr lang="en-US" sz="1800" dirty="0" err="1"/>
+              <a:t>SqlDbType.Int</a:t>
+            </a:r>
+            <a:r>
+              <a:rPr lang="en-US" sz="1800" dirty="0"/>
+              <a:t>); </a:t>
+            </a:r>
+            <a:endParaRPr lang="en-US" sz="1800" dirty="0" smtClean="0"/>
+          </a:p>
+          <a:p>
+            <a:pPr marL="0" lvl="0" indent="0" eaLnBrk="0" fontAlgn="base" hangingPunct="0">
+              <a:spcBef>
+                <a:spcPct val="0"/>
+              </a:spcBef>
+              <a:spcAft>
+                <a:spcPct val="0"/>
+              </a:spcAft>
+              <a:buNone/>
+            </a:pPr>
+            <a:r>
+              <a:rPr lang="en-US" sz="1800" dirty="0" err="1" smtClean="0"/>
+              <a:t>param.Value</a:t>
+            </a:r>
+            <a:r>
+              <a:rPr lang="en-US" sz="1800" dirty="0" smtClean="0"/>
+              <a:t> </a:t>
+            </a:r>
+            <a:r>
+              <a:rPr lang="en-US" sz="1800" dirty="0"/>
+              <a:t>= 1; </a:t>
+            </a:r>
+            <a:endParaRPr lang="en-US" sz="1800" dirty="0" smtClean="0"/>
+          </a:p>
+          <a:p>
+            <a:pPr marL="0" lvl="0" indent="0" eaLnBrk="0" fontAlgn="base" hangingPunct="0">
+              <a:spcBef>
+                <a:spcPct val="0"/>
+              </a:spcBef>
+              <a:spcAft>
+                <a:spcPct val="0"/>
+              </a:spcAft>
+              <a:buNone/>
+            </a:pPr>
+            <a:r>
+              <a:rPr lang="en-US" sz="1800" dirty="0" smtClean="0"/>
+              <a:t>// </a:t>
+            </a:r>
+            <a:r>
+              <a:rPr lang="en-US" sz="1800" dirty="0"/>
+              <a:t>Execute the command. </a:t>
+            </a:r>
+            <a:endParaRPr lang="en-US" sz="1800" dirty="0" smtClean="0"/>
+          </a:p>
+          <a:p>
+            <a:pPr marL="0" lvl="0" indent="0" eaLnBrk="0" fontAlgn="base" hangingPunct="0">
+              <a:spcBef>
+                <a:spcPct val="0"/>
+              </a:spcBef>
+              <a:spcAft>
+                <a:spcPct val="0"/>
+              </a:spcAft>
+              <a:buNone/>
+            </a:pPr>
+            <a:r>
+              <a:rPr lang="en-US" sz="1800" dirty="0" err="1" smtClean="0"/>
+              <a:t>con.Open</a:t>
+            </a:r>
+            <a:r>
+              <a:rPr lang="en-US" sz="1800" dirty="0"/>
+              <a:t>(); </a:t>
+            </a:r>
+            <a:endParaRPr lang="en-US" sz="1800" dirty="0" smtClean="0"/>
+          </a:p>
+          <a:p>
+            <a:pPr marL="0" lvl="0" indent="0" eaLnBrk="0" fontAlgn="base" hangingPunct="0">
+              <a:spcBef>
+                <a:spcPct val="0"/>
+              </a:spcBef>
+              <a:spcAft>
+                <a:spcPct val="0"/>
+              </a:spcAft>
+              <a:buNone/>
+            </a:pPr>
+            <a:r>
+              <a:rPr lang="en-US" sz="1800" dirty="0" err="1" smtClean="0"/>
+              <a:t>int</a:t>
+            </a:r>
+            <a:r>
+              <a:rPr lang="en-US" sz="1800" dirty="0" smtClean="0"/>
+              <a:t> </a:t>
+            </a:r>
+            <a:r>
+              <a:rPr lang="en-US" sz="1800" dirty="0" err="1"/>
+              <a:t>rowsAffected</a:t>
+            </a:r>
+            <a:r>
+              <a:rPr lang="en-US" sz="1800" dirty="0"/>
+              <a:t> = </a:t>
+            </a:r>
+            <a:r>
+              <a:rPr lang="en-US" sz="1800" dirty="0" err="1"/>
+              <a:t>cmd.ExecuteNonQuery</a:t>
+            </a:r>
+            <a:r>
+              <a:rPr lang="en-US" sz="1800" dirty="0" smtClean="0"/>
+              <a:t>();</a:t>
+            </a:r>
+          </a:p>
+          <a:p>
+            <a:pPr marL="0" lvl="0" indent="0" eaLnBrk="0" fontAlgn="base" hangingPunct="0">
+              <a:spcBef>
+                <a:spcPct val="0"/>
+              </a:spcBef>
+              <a:spcAft>
+                <a:spcPct val="0"/>
+              </a:spcAft>
+              <a:buNone/>
+            </a:pPr>
+            <a:r>
+              <a:rPr lang="en-US" sz="1800" dirty="0" smtClean="0"/>
+              <a:t> </a:t>
+            </a:r>
+            <a:r>
+              <a:rPr lang="en-US" sz="1800" dirty="0" err="1"/>
+              <a:t>con.Close</a:t>
+            </a:r>
+            <a:r>
+              <a:rPr lang="en-US" sz="1800" dirty="0"/>
+              <a:t>();</a:t>
+            </a:r>
+            <a:endParaRPr lang="en-US" altLang="en-US" sz="1800" dirty="0">
+              <a:latin typeface="Arial" pitchFamily="34" charset="0"/>
+              <a:cs typeface="Arial" pitchFamily="34" charset="0"/>
+            </a:endParaRPr>
+          </a:p>
+        </p:txBody>
+      </p:sp>
+    </p:spTree>
+    <p:extLst>
+      <p:ext uri="{BB962C8B-B14F-4D97-AF65-F5344CB8AC3E}">
+        <p14:creationId xmlns:p14="http://schemas.microsoft.com/office/powerpoint/2010/main" val="3519770853"/>
       </p:ext>
     </p:extLst>
   </p:cSld>
@@ -4616,7 +5793,6 @@
               <a:rPr lang="tr-TR" altLang="en-US" smtClean="0"/>
               <a:t>ADO.NET Core Objects</a:t>
             </a:r>
-            <a:endParaRPr lang="tr-TR" altLang="en-US" smtClean="0"/>
           </a:p>
         </p:txBody>
       </p:sp>
@@ -8586,9 +9762,6 @@
               </a:rPr>
               <a:t>: Executes the query and returns the first column of the first row in the result set returned by the query </a:t>
             </a:r>
-            <a:endParaRPr lang="tr-TR" altLang="en-US" dirty="0" smtClean="0">
-              <a:latin typeface="Calibri" pitchFamily="34" charset="0"/>
-            </a:endParaRPr>
           </a:p>
         </p:txBody>
       </p:sp>
@@ -8869,7 +10042,6 @@
               <a:rPr lang="en-US" dirty="0"/>
               <a:t>;</a:t>
             </a:r>
-            <a:endParaRPr lang="en-US" dirty="0"/>
           </a:p>
         </p:txBody>
       </p:sp>
@@ -8934,7 +10106,6 @@
               <a:rPr lang="en-US" dirty="0"/>
               <a:t>);</a:t>
             </a:r>
-            <a:endParaRPr lang="en-US" dirty="0"/>
           </a:p>
         </p:txBody>
       </p:sp>
@@ -9060,6 +10231,524 @@
     <p:extLst>
       <p:ext uri="{BB962C8B-B14F-4D97-AF65-F5344CB8AC3E}">
         <p14:creationId xmlns:p14="http://schemas.microsoft.com/office/powerpoint/2010/main" val="2614490754"/>
+      </p:ext>
+    </p:extLst>
+  </p:cSld>
+  <p:clrMapOvr>
+    <a:masterClrMapping/>
+  </p:clrMapOvr>
+</p:sld>
+</file>
+
+<file path=ppt/slides/slide9.xml><?xml version="1.0" encoding="utf-8"?>
+<p:sld xmlns:a="http://schemas.openxmlformats.org/drawingml/2006/main" xmlns:r="http://schemas.openxmlformats.org/officeDocument/2006/relationships" xmlns:p="http://schemas.openxmlformats.org/presentationml/2006/main">
+  <p:cSld>
+    <p:spTree>
+      <p:nvGrpSpPr>
+        <p:cNvPr id="1" name=""/>
+        <p:cNvGrpSpPr/>
+        <p:nvPr/>
+      </p:nvGrpSpPr>
+      <p:grpSpPr>
+        <a:xfrm>
+          <a:off x="0" y="0"/>
+          <a:ext cx="0" cy="0"/>
+          <a:chOff x="0" y="0"/>
+          <a:chExt cx="0" cy="0"/>
+        </a:xfrm>
+      </p:grpSpPr>
+      <p:sp>
+        <p:nvSpPr>
+          <p:cNvPr id="2" name="Rectangle 2"/>
+          <p:cNvSpPr txBox="1">
+            <a:spLocks noChangeArrowheads="1"/>
+          </p:cNvSpPr>
+          <p:nvPr/>
+        </p:nvSpPr>
+        <p:spPr>
+          <a:xfrm>
+            <a:off x="685800" y="381000"/>
+            <a:ext cx="7772400" cy="1143000"/>
+          </a:xfrm>
+          <a:prstGeom prst="rect">
+            <a:avLst/>
+          </a:prstGeom>
+        </p:spPr>
+        <p:txBody>
+          <a:bodyPr/>
+          <a:lstStyle>
+            <a:lvl1pPr algn="ctr" defTabSz="914400" rtl="0" eaLnBrk="1" latinLnBrk="0" hangingPunct="1">
+              <a:spcBef>
+                <a:spcPct val="0"/>
+              </a:spcBef>
+              <a:buNone/>
+              <a:defRPr sz="4400" kern="1200">
+                <a:solidFill>
+                  <a:schemeClr val="tx1"/>
+                </a:solidFill>
+                <a:latin typeface="+mj-lt"/>
+                <a:ea typeface="+mj-ea"/>
+                <a:cs typeface="+mj-cs"/>
+              </a:defRPr>
+            </a:lvl1pPr>
+          </a:lstStyle>
+          <a:p>
+            <a:pPr eaLnBrk="0" hangingPunct="0"/>
+            <a:r>
+              <a:rPr lang="en-US" sz="3200" dirty="0"/>
+              <a:t>Commands with Stored Procedures</a:t>
+            </a:r>
+          </a:p>
+        </p:txBody>
+      </p:sp>
+      <p:sp>
+        <p:nvSpPr>
+          <p:cNvPr id="3" name="Rectangle 3"/>
+          <p:cNvSpPr txBox="1">
+            <a:spLocks noChangeArrowheads="1"/>
+          </p:cNvSpPr>
+          <p:nvPr/>
+        </p:nvSpPr>
+        <p:spPr>
+          <a:xfrm>
+            <a:off x="660722" y="1143000"/>
+            <a:ext cx="7772400" cy="4114800"/>
+          </a:xfrm>
+          <a:prstGeom prst="rect">
+            <a:avLst/>
+          </a:prstGeom>
+        </p:spPr>
+        <p:txBody>
+          <a:bodyPr/>
+          <a:lstStyle>
+            <a:lvl1pPr marL="342900" indent="-342900" algn="l" defTabSz="914400" rtl="0" eaLnBrk="1" latinLnBrk="0" hangingPunct="1">
+              <a:spcBef>
+                <a:spcPct val="20000"/>
+              </a:spcBef>
+              <a:buFont typeface="Arial" pitchFamily="34" charset="0"/>
+              <a:buChar char="•"/>
+              <a:defRPr sz="3200" kern="1200">
+                <a:solidFill>
+                  <a:schemeClr val="tx1"/>
+                </a:solidFill>
+                <a:latin typeface="+mn-lt"/>
+                <a:ea typeface="+mn-ea"/>
+                <a:cs typeface="+mn-cs"/>
+              </a:defRPr>
+            </a:lvl1pPr>
+            <a:lvl2pPr marL="742950" indent="-285750" algn="l" defTabSz="914400" rtl="0" eaLnBrk="1" latinLnBrk="0" hangingPunct="1">
+              <a:spcBef>
+                <a:spcPct val="20000"/>
+              </a:spcBef>
+              <a:buFont typeface="Arial" pitchFamily="34" charset="0"/>
+              <a:buChar char="–"/>
+              <a:defRPr sz="2800" kern="1200">
+                <a:solidFill>
+                  <a:schemeClr val="tx1"/>
+                </a:solidFill>
+                <a:latin typeface="+mn-lt"/>
+                <a:ea typeface="+mn-ea"/>
+                <a:cs typeface="+mn-cs"/>
+              </a:defRPr>
+            </a:lvl2pPr>
+            <a:lvl3pPr marL="1143000" indent="-228600" algn="l" defTabSz="914400" rtl="0" eaLnBrk="1" latinLnBrk="0" hangingPunct="1">
+              <a:spcBef>
+                <a:spcPct val="20000"/>
+              </a:spcBef>
+              <a:buFont typeface="Arial" pitchFamily="34" charset="0"/>
+              <a:buChar char="•"/>
+              <a:defRPr sz="2400" kern="1200">
+                <a:solidFill>
+                  <a:schemeClr val="tx1"/>
+                </a:solidFill>
+                <a:latin typeface="+mn-lt"/>
+                <a:ea typeface="+mn-ea"/>
+                <a:cs typeface="+mn-cs"/>
+              </a:defRPr>
+            </a:lvl3pPr>
+            <a:lvl4pPr marL="1600200" indent="-228600" algn="l" defTabSz="914400" rtl="0" eaLnBrk="1" latinLnBrk="0" hangingPunct="1">
+              <a:spcBef>
+                <a:spcPct val="20000"/>
+              </a:spcBef>
+              <a:buFont typeface="Arial" pitchFamily="34" charset="0"/>
+              <a:buChar char="–"/>
+              <a:defRPr sz="2000" kern="1200">
+                <a:solidFill>
+                  <a:schemeClr val="tx1"/>
+                </a:solidFill>
+                <a:latin typeface="+mn-lt"/>
+                <a:ea typeface="+mn-ea"/>
+                <a:cs typeface="+mn-cs"/>
+              </a:defRPr>
+            </a:lvl4pPr>
+            <a:lvl5pPr marL="2057400" indent="-228600" algn="l" defTabSz="914400" rtl="0" eaLnBrk="1" latinLnBrk="0" hangingPunct="1">
+              <a:spcBef>
+                <a:spcPct val="20000"/>
+              </a:spcBef>
+              <a:buFont typeface="Arial" pitchFamily="34" charset="0"/>
+              <a:buChar char="»"/>
+              <a:defRPr sz="2000" kern="1200">
+                <a:solidFill>
+                  <a:schemeClr val="tx1"/>
+                </a:solidFill>
+                <a:latin typeface="+mn-lt"/>
+                <a:ea typeface="+mn-ea"/>
+                <a:cs typeface="+mn-cs"/>
+              </a:defRPr>
+            </a:lvl5pPr>
+            <a:lvl6pPr marL="2514600" indent="-228600" algn="l" defTabSz="914400" rtl="0" eaLnBrk="1" latinLnBrk="0" hangingPunct="1">
+              <a:spcBef>
+                <a:spcPct val="20000"/>
+              </a:spcBef>
+              <a:buFont typeface="Arial" pitchFamily="34" charset="0"/>
+              <a:buChar char="•"/>
+              <a:defRPr sz="2000" kern="1200">
+                <a:solidFill>
+                  <a:schemeClr val="tx1"/>
+                </a:solidFill>
+                <a:latin typeface="+mn-lt"/>
+                <a:ea typeface="+mn-ea"/>
+                <a:cs typeface="+mn-cs"/>
+              </a:defRPr>
+            </a:lvl6pPr>
+            <a:lvl7pPr marL="2971800" indent="-228600" algn="l" defTabSz="914400" rtl="0" eaLnBrk="1" latinLnBrk="0" hangingPunct="1">
+              <a:spcBef>
+                <a:spcPct val="20000"/>
+              </a:spcBef>
+              <a:buFont typeface="Arial" pitchFamily="34" charset="0"/>
+              <a:buChar char="•"/>
+              <a:defRPr sz="2000" kern="1200">
+                <a:solidFill>
+                  <a:schemeClr val="tx1"/>
+                </a:solidFill>
+                <a:latin typeface="+mn-lt"/>
+                <a:ea typeface="+mn-ea"/>
+                <a:cs typeface="+mn-cs"/>
+              </a:defRPr>
+            </a:lvl7pPr>
+            <a:lvl8pPr marL="3429000" indent="-228600" algn="l" defTabSz="914400" rtl="0" eaLnBrk="1" latinLnBrk="0" hangingPunct="1">
+              <a:spcBef>
+                <a:spcPct val="20000"/>
+              </a:spcBef>
+              <a:buFont typeface="Arial" pitchFamily="34" charset="0"/>
+              <a:buChar char="•"/>
+              <a:defRPr sz="2000" kern="1200">
+                <a:solidFill>
+                  <a:schemeClr val="tx1"/>
+                </a:solidFill>
+                <a:latin typeface="+mn-lt"/>
+                <a:ea typeface="+mn-ea"/>
+                <a:cs typeface="+mn-cs"/>
+              </a:defRPr>
+            </a:lvl8pPr>
+            <a:lvl9pPr marL="3886200" indent="-228600" algn="l" defTabSz="914400" rtl="0" eaLnBrk="1" latinLnBrk="0" hangingPunct="1">
+              <a:spcBef>
+                <a:spcPct val="20000"/>
+              </a:spcBef>
+              <a:buFont typeface="Arial" pitchFamily="34" charset="0"/>
+              <a:buChar char="•"/>
+              <a:defRPr sz="2000" kern="1200">
+                <a:solidFill>
+                  <a:schemeClr val="tx1"/>
+                </a:solidFill>
+                <a:latin typeface="+mn-lt"/>
+                <a:ea typeface="+mn-ea"/>
+                <a:cs typeface="+mn-cs"/>
+              </a:defRPr>
+            </a:lvl9pPr>
+          </a:lstStyle>
+          <a:p>
+            <a:pPr marL="285750" lvl="0" indent="-285750" eaLnBrk="0" hangingPunct="0">
+              <a:buFont typeface="Wingdings" panose="05000000000000000000" pitchFamily="2" charset="2"/>
+              <a:buChar char="§"/>
+            </a:pPr>
+            <a:r>
+              <a:rPr lang="en-US" sz="2000" dirty="0" smtClean="0"/>
+              <a:t>Stored </a:t>
+            </a:r>
+            <a:r>
+              <a:rPr lang="en-US" sz="2000" dirty="0"/>
+              <a:t>procedures—SQL scripts stored in the database—are a key ingredient in any successful large-scale database applications.</a:t>
+            </a:r>
+          </a:p>
+          <a:p>
+            <a:pPr marL="285750" lvl="0" indent="-285750" eaLnBrk="0" hangingPunct="0">
+              <a:buFont typeface="Wingdings" panose="05000000000000000000" pitchFamily="2" charset="2"/>
+              <a:buChar char="§"/>
+            </a:pPr>
+            <a:r>
+              <a:rPr lang="en-US" sz="2000" dirty="0"/>
+              <a:t>One advantage of stored procedures is improved performance.</a:t>
+            </a:r>
+          </a:p>
+          <a:p>
+            <a:pPr marL="285750" lvl="0" indent="-285750" eaLnBrk="0" hangingPunct="0">
+              <a:buFont typeface="Wingdings" panose="05000000000000000000" pitchFamily="2" charset="2"/>
+              <a:buChar char="§"/>
+            </a:pPr>
+            <a:r>
+              <a:rPr lang="en-US" sz="2000" dirty="0"/>
+              <a:t>Stored procedures typically execute faster than ordinary SQL statements because the database can create, optimize, and cache a data access plan in advance. </a:t>
+            </a:r>
+            <a:endParaRPr lang="en-US" dirty="0" smtClean="0"/>
+          </a:p>
+          <a:p>
+            <a:pPr marL="285750" lvl="0" indent="-285750" eaLnBrk="0" hangingPunct="0">
+              <a:buFont typeface="Wingdings" panose="05000000000000000000" pitchFamily="2" charset="2"/>
+              <a:buChar char="§"/>
+            </a:pPr>
+            <a:r>
+              <a:rPr lang="en-US" sz="2000" dirty="0" smtClean="0"/>
+              <a:t>Security.</a:t>
+            </a:r>
+          </a:p>
+          <a:p>
+            <a:pPr marL="285750" lvl="0" indent="-285750" eaLnBrk="0" hangingPunct="0">
+              <a:buFont typeface="Wingdings" panose="05000000000000000000" pitchFamily="2" charset="2"/>
+              <a:buChar char="§"/>
+            </a:pPr>
+            <a:r>
+              <a:rPr lang="en-US" sz="2000" dirty="0" smtClean="0"/>
+              <a:t>Easy </a:t>
+            </a:r>
+            <a:r>
+              <a:rPr lang="en-US" sz="2000" dirty="0"/>
+              <a:t>to maintain.</a:t>
+            </a:r>
+          </a:p>
+          <a:p>
+            <a:pPr marL="285750" lvl="0" indent="-285750" eaLnBrk="0" hangingPunct="0">
+              <a:buFont typeface="Wingdings" panose="05000000000000000000" pitchFamily="2" charset="2"/>
+              <a:buChar char="§"/>
+            </a:pPr>
+            <a:r>
+              <a:rPr lang="en-US" sz="2000" dirty="0"/>
+              <a:t>Reduce network traffic, because SQL statements can be executed in batches.</a:t>
+            </a:r>
+            <a:endParaRPr lang="en-US" altLang="en-US" sz="2000" dirty="0"/>
+          </a:p>
+          <a:p>
+            <a:pPr marL="0" lvl="0" indent="0" eaLnBrk="0" fontAlgn="base" hangingPunct="0">
+              <a:spcBef>
+                <a:spcPct val="0"/>
+              </a:spcBef>
+              <a:spcAft>
+                <a:spcPct val="0"/>
+              </a:spcAft>
+              <a:buNone/>
+            </a:pPr>
+            <a:endParaRPr lang="en-US" altLang="en-US" dirty="0"/>
+          </a:p>
+          <a:p>
+            <a:pPr marL="0" lvl="0" indent="0" eaLnBrk="0" fontAlgn="base" hangingPunct="0">
+              <a:spcBef>
+                <a:spcPct val="0"/>
+              </a:spcBef>
+              <a:spcAft>
+                <a:spcPct val="0"/>
+              </a:spcAft>
+              <a:buNone/>
+            </a:pPr>
+            <a:endParaRPr lang="en-US" altLang="en-US" dirty="0">
+              <a:latin typeface="Arial" pitchFamily="34" charset="0"/>
+              <a:cs typeface="Arial" pitchFamily="34" charset="0"/>
+            </a:endParaRPr>
+          </a:p>
+          <a:p>
+            <a:pPr marL="0" lvl="0" indent="0" eaLnBrk="0" fontAlgn="base" hangingPunct="0">
+              <a:spcBef>
+                <a:spcPct val="0"/>
+              </a:spcBef>
+              <a:spcAft>
+                <a:spcPct val="0"/>
+              </a:spcAft>
+              <a:buNone/>
+            </a:pPr>
+            <a:endParaRPr lang="en-US" altLang="en-US" dirty="0"/>
+          </a:p>
+          <a:p>
+            <a:pPr marL="0" lvl="0" indent="0" eaLnBrk="0" fontAlgn="base" hangingPunct="0">
+              <a:spcBef>
+                <a:spcPct val="0"/>
+              </a:spcBef>
+              <a:spcAft>
+                <a:spcPct val="0"/>
+              </a:spcAft>
+              <a:buNone/>
+            </a:pPr>
+            <a:endParaRPr lang="en-US" altLang="en-US" dirty="0">
+              <a:latin typeface="Arial" pitchFamily="34" charset="0"/>
+              <a:cs typeface="Arial" pitchFamily="34" charset="0"/>
+            </a:endParaRPr>
+          </a:p>
+          <a:p>
+            <a:pPr marL="0" lvl="0" indent="0" eaLnBrk="0" fontAlgn="base" hangingPunct="0">
+              <a:spcBef>
+                <a:spcPct val="0"/>
+              </a:spcBef>
+              <a:spcAft>
+                <a:spcPct val="0"/>
+              </a:spcAft>
+              <a:buNone/>
+            </a:pPr>
+            <a:endParaRPr lang="en-US" altLang="en-US" dirty="0"/>
+          </a:p>
+          <a:p>
+            <a:pPr marL="0" lvl="0" indent="0" eaLnBrk="0" fontAlgn="base" hangingPunct="0">
+              <a:spcBef>
+                <a:spcPct val="0"/>
+              </a:spcBef>
+              <a:spcAft>
+                <a:spcPct val="0"/>
+              </a:spcAft>
+              <a:buNone/>
+            </a:pPr>
+            <a:endParaRPr lang="en-US" altLang="en-US" dirty="0">
+              <a:latin typeface="Arial" pitchFamily="34" charset="0"/>
+              <a:cs typeface="Arial" pitchFamily="34" charset="0"/>
+            </a:endParaRPr>
+          </a:p>
+          <a:p>
+            <a:pPr marL="0" lvl="0" indent="0" eaLnBrk="0" fontAlgn="base" hangingPunct="0">
+              <a:spcBef>
+                <a:spcPct val="0"/>
+              </a:spcBef>
+              <a:spcAft>
+                <a:spcPct val="0"/>
+              </a:spcAft>
+              <a:buNone/>
+            </a:pPr>
+            <a:endParaRPr lang="en-US" altLang="en-US" dirty="0"/>
+          </a:p>
+          <a:p>
+            <a:pPr marL="0" lvl="0" indent="0" eaLnBrk="0" fontAlgn="base" hangingPunct="0">
+              <a:spcBef>
+                <a:spcPct val="0"/>
+              </a:spcBef>
+              <a:spcAft>
+                <a:spcPct val="0"/>
+              </a:spcAft>
+              <a:buNone/>
+            </a:pPr>
+            <a:endParaRPr lang="en-US" altLang="en-US" dirty="0">
+              <a:latin typeface="Arial" pitchFamily="34" charset="0"/>
+              <a:cs typeface="Arial" pitchFamily="34" charset="0"/>
+            </a:endParaRPr>
+          </a:p>
+          <a:p>
+            <a:pPr marL="0" lvl="0" indent="0" eaLnBrk="0" fontAlgn="base" hangingPunct="0">
+              <a:spcBef>
+                <a:spcPct val="0"/>
+              </a:spcBef>
+              <a:spcAft>
+                <a:spcPct val="0"/>
+              </a:spcAft>
+              <a:buNone/>
+            </a:pPr>
+            <a:endParaRPr lang="en-US" altLang="en-US" dirty="0"/>
+          </a:p>
+          <a:p>
+            <a:pPr marL="0" lvl="0" indent="0" eaLnBrk="0" fontAlgn="base" hangingPunct="0">
+              <a:spcBef>
+                <a:spcPct val="0"/>
+              </a:spcBef>
+              <a:spcAft>
+                <a:spcPct val="0"/>
+              </a:spcAft>
+              <a:buNone/>
+            </a:pPr>
+            <a:endParaRPr lang="en-US" altLang="en-US" dirty="0">
+              <a:latin typeface="Arial" pitchFamily="34" charset="0"/>
+              <a:cs typeface="Arial" pitchFamily="34" charset="0"/>
+            </a:endParaRPr>
+          </a:p>
+          <a:p>
+            <a:pPr marL="0" lvl="0" indent="0" eaLnBrk="0" fontAlgn="base" hangingPunct="0">
+              <a:spcBef>
+                <a:spcPct val="0"/>
+              </a:spcBef>
+              <a:spcAft>
+                <a:spcPct val="0"/>
+              </a:spcAft>
+              <a:buNone/>
+            </a:pPr>
+            <a:endParaRPr lang="en-US" altLang="en-US" dirty="0"/>
+          </a:p>
+          <a:p>
+            <a:pPr marL="0" lvl="0" indent="0" eaLnBrk="0" fontAlgn="base" hangingPunct="0">
+              <a:spcBef>
+                <a:spcPct val="0"/>
+              </a:spcBef>
+              <a:spcAft>
+                <a:spcPct val="0"/>
+              </a:spcAft>
+              <a:buNone/>
+            </a:pPr>
+            <a:endParaRPr lang="en-US" altLang="en-US" dirty="0">
+              <a:latin typeface="Arial" pitchFamily="34" charset="0"/>
+              <a:cs typeface="Arial" pitchFamily="34" charset="0"/>
+            </a:endParaRPr>
+          </a:p>
+          <a:p>
+            <a:pPr marL="0" lvl="0" indent="0" eaLnBrk="0" fontAlgn="base" hangingPunct="0">
+              <a:spcBef>
+                <a:spcPct val="0"/>
+              </a:spcBef>
+              <a:spcAft>
+                <a:spcPct val="0"/>
+              </a:spcAft>
+              <a:buNone/>
+            </a:pPr>
+            <a:endParaRPr lang="en-US" altLang="en-US" dirty="0"/>
+          </a:p>
+          <a:p>
+            <a:pPr marL="0" lvl="0" indent="0" eaLnBrk="0" fontAlgn="base" hangingPunct="0">
+              <a:spcBef>
+                <a:spcPct val="0"/>
+              </a:spcBef>
+              <a:spcAft>
+                <a:spcPct val="0"/>
+              </a:spcAft>
+              <a:buNone/>
+            </a:pPr>
+            <a:endParaRPr lang="en-US" altLang="en-US" dirty="0">
+              <a:latin typeface="Arial" pitchFamily="34" charset="0"/>
+              <a:cs typeface="Arial" pitchFamily="34" charset="0"/>
+            </a:endParaRPr>
+          </a:p>
+          <a:p>
+            <a:pPr marL="0" lvl="0" indent="0" eaLnBrk="0" fontAlgn="base" hangingPunct="0">
+              <a:spcBef>
+                <a:spcPct val="0"/>
+              </a:spcBef>
+              <a:spcAft>
+                <a:spcPct val="0"/>
+              </a:spcAft>
+              <a:buNone/>
+            </a:pPr>
+            <a:endParaRPr lang="en-US" altLang="en-US" dirty="0"/>
+          </a:p>
+          <a:p>
+            <a:pPr marL="0" lvl="0" indent="0" eaLnBrk="0" fontAlgn="base" hangingPunct="0">
+              <a:spcBef>
+                <a:spcPct val="0"/>
+              </a:spcBef>
+              <a:spcAft>
+                <a:spcPct val="0"/>
+              </a:spcAft>
+              <a:buNone/>
+            </a:pPr>
+            <a:endParaRPr lang="en-US" altLang="en-US" dirty="0">
+              <a:latin typeface="Arial" pitchFamily="34" charset="0"/>
+              <a:cs typeface="Arial" pitchFamily="34" charset="0"/>
+            </a:endParaRPr>
+          </a:p>
+        </p:txBody>
+      </p:sp>
+    </p:spTree>
+    <p:extLst>
+      <p:ext uri="{BB962C8B-B14F-4D97-AF65-F5344CB8AC3E}">
+        <p14:creationId xmlns:p14="http://schemas.microsoft.com/office/powerpoint/2010/main" val="4023980531"/>
       </p:ext>
     </p:extLst>
   </p:cSld>
